--- a/aulas/t/SCO-T2-S03-S04.pptx
+++ b/aulas/t/SCO-T2-S03-S04.pptx
@@ -6697,6 +6697,18 @@
           <a:prstGeom prst="rect">
             <a:avLst/>
           </a:prstGeom>
+          <a:ln>
+            <a:solidFill>
+              <a:schemeClr val="tx1"/>
+            </a:solidFill>
+          </a:ln>
+          <a:effectLst>
+            <a:outerShdw blurRad="50800" dist="38100" dir="2700000" algn="tl" rotWithShape="0">
+              <a:prstClr val="black">
+                <a:alpha val="40000"/>
+              </a:prstClr>
+            </a:outerShdw>
+          </a:effectLst>
         </p:spPr>
       </p:pic>
       <p:pic>
@@ -6727,6 +6739,18 @@
           <a:prstGeom prst="rect">
             <a:avLst/>
           </a:prstGeom>
+          <a:ln>
+            <a:solidFill>
+              <a:schemeClr val="tx1"/>
+            </a:solidFill>
+          </a:ln>
+          <a:effectLst>
+            <a:outerShdw blurRad="50800" dist="38100" dir="2700000" algn="tl" rotWithShape="0">
+              <a:prstClr val="black">
+                <a:alpha val="40000"/>
+              </a:prstClr>
+            </a:outerShdw>
+          </a:effectLst>
         </p:spPr>
       </p:pic>
     </p:spTree>
@@ -6840,6 +6864,94 @@
                                         </p:tav>
                                       </p:tavLst>
                                     </p:anim>
+                                  </p:childTnLst>
+                                </p:cTn>
+                              </p:par>
+                              <p:par>
+                                <p:cTn id="10" presetID="10" presetClass="entr" presetSubtype="0" fill="hold" nodeType="withEffect">
+                                  <p:stCondLst>
+                                    <p:cond delay="0"/>
+                                  </p:stCondLst>
+                                  <p:childTnLst>
+                                    <p:set>
+                                      <p:cBhvr>
+                                        <p:cTn id="11" dur="1" fill="hold">
+                                          <p:stCondLst>
+                                            <p:cond delay="0"/>
+                                          </p:stCondLst>
+                                        </p:cTn>
+                                        <p:tgtEl>
+                                          <p:spTgt spid="2"/>
+                                        </p:tgtEl>
+                                        <p:attrNameLst>
+                                          <p:attrName>style.visibility</p:attrName>
+                                        </p:attrNameLst>
+                                      </p:cBhvr>
+                                      <p:to>
+                                        <p:strVal val="visible"/>
+                                      </p:to>
+                                    </p:set>
+                                    <p:animEffect transition="in" filter="fade">
+                                      <p:cBhvr>
+                                        <p:cTn id="12" dur="500"/>
+                                        <p:tgtEl>
+                                          <p:spTgt spid="2"/>
+                                        </p:tgtEl>
+                                      </p:cBhvr>
+                                    </p:animEffect>
+                                  </p:childTnLst>
+                                </p:cTn>
+                              </p:par>
+                            </p:childTnLst>
+                          </p:cTn>
+                        </p:par>
+                      </p:childTnLst>
+                    </p:cTn>
+                  </p:par>
+                  <p:par>
+                    <p:cTn id="13" fill="hold">
+                      <p:stCondLst>
+                        <p:cond delay="indefinite"/>
+                      </p:stCondLst>
+                      <p:childTnLst>
+                        <p:par>
+                          <p:cTn id="14" fill="hold">
+                            <p:stCondLst>
+                              <p:cond delay="0"/>
+                            </p:stCondLst>
+                            <p:childTnLst>
+                              <p:par>
+                                <p:cTn id="15" presetID="10" presetClass="entr" presetSubtype="0" fill="hold" nodeType="clickEffect">
+                                  <p:stCondLst>
+                                    <p:cond delay="0"/>
+                                  </p:stCondLst>
+                                  <p:childTnLst>
+                                    <p:set>
+                                      <p:cBhvr>
+                                        <p:cTn id="16" dur="1" fill="hold">
+                                          <p:stCondLst>
+                                            <p:cond delay="0"/>
+                                          </p:stCondLst>
+                                        </p:cTn>
+                                        <p:tgtEl>
+                                          <p:spTgt spid="2"/>
+                                        </p:tgtEl>
+                                        <p:attrNameLst>
+                                          <p:attrName>style.visibility</p:attrName>
+                                        </p:attrNameLst>
+                                      </p:cBhvr>
+                                      <p:to>
+                                        <p:strVal val="visible"/>
+                                      </p:to>
+                                    </p:set>
+                                    <p:animEffect transition="in" filter="fade">
+                                      <p:cBhvr>
+                                        <p:cTn id="17" dur="500"/>
+                                        <p:tgtEl>
+                                          <p:spTgt spid="2"/>
+                                        </p:tgtEl>
+                                      </p:cBhvr>
+                                    </p:animEffect>
                                   </p:childTnLst>
                                 </p:cTn>
                               </p:par>

--- a/aulas/t/SCO-T2-S03-S04.pptx
+++ b/aulas/t/SCO-T2-S03-S04.pptx
@@ -9592,8 +9592,12 @@
               <a:buChar char="Ø"/>
             </a:pPr>
             <a:r>
+              <a:rPr lang="pt-PT" sz="2000" i="0"/>
+              <a:t>2 </a:t>
+            </a:r>
+            <a:r>
               <a:rPr lang="pt-PT" sz="2000" i="0" dirty="0"/>
-              <a:t>200 conjuntos (base e standard) de 2000 questões (em 1000000) + 100 questão (em 1000 do conjunto Hard)</a:t>
+              <a:t>conjuntos (base e standard) de 2000 questões (em 1000000) + 100 questão (em 1000 do conjunto Hard)</a:t>
             </a:r>
             <a:r>
               <a:rPr lang="pt-PT" sz="2000" b="0" i="0" dirty="0"/>
